--- a/RJDProcessor/doc/package_description/Seasonal adjustment processes in statistical production.pptx
+++ b/RJDProcessor/doc/package_description/Seasonal adjustment processes in statistical production.pptx
@@ -273,7 +273,7 @@
               <a:pPr>
                 <a:defRPr/>
               </a:pPr>
-              <a:t>10/13/2024</a:t>
+              <a:t>10/14/2024</a:t>
             </a:fld>
             <a:endParaRPr lang="en-US"/>
           </a:p>
@@ -9486,15 +9486,7 @@
                   <a:srgbClr val="C00000"/>
                 </a:solidFill>
               </a:rPr>
-              <a:t> </a:t>
-            </a:r>
-            <a:r>
-              <a:rPr lang="it-IT" sz="3200" dirty="0" smtClean="0">
-                <a:solidFill>
-                  <a:srgbClr val="C00000"/>
-                </a:solidFill>
-              </a:rPr>
-              <a:t>production: </a:t>
+              <a:t> production: </a:t>
             </a:r>
             <a:r>
               <a:rPr lang="it-IT" sz="3200" dirty="0" err="1" smtClean="0">
@@ -10040,7 +10032,6 @@
                         <a:rPr lang="it-IT" sz="1800" dirty="0" smtClean="0"/>
                         <a:t>…</a:t>
                       </a:r>
-                      <a:endParaRPr lang="it-IT" sz="1800" dirty="0" smtClean="0"/>
                     </a:p>
                   </a:txBody>
                   <a:tcPr marL="0" marR="0" marT="0" marB="0"/>
@@ -10071,7 +10062,6 @@
                         <a:rPr lang="it-IT" sz="1800" dirty="0" smtClean="0"/>
                         <a:t>&lt;1.6, 2.2, 2.7,…&gt;</a:t>
                       </a:r>
-                      <a:endParaRPr lang="it-IT" sz="1800" dirty="0" smtClean="0"/>
                     </a:p>
                   </a:txBody>
                   <a:tcPr marL="0" marR="0" marT="0" marB="0"/>
@@ -11865,15 +11855,7 @@
                   <a:srgbClr val="C00000"/>
                 </a:solidFill>
               </a:rPr>
-              <a:t> </a:t>
-            </a:r>
-            <a:r>
-              <a:rPr lang="it-IT" sz="3200" dirty="0" smtClean="0">
-                <a:solidFill>
-                  <a:srgbClr val="C00000"/>
-                </a:solidFill>
-              </a:rPr>
-              <a:t>production: </a:t>
+              <a:t> production: </a:t>
             </a:r>
             <a:r>
               <a:rPr lang="it-IT" sz="3200" dirty="0" err="1" smtClean="0">
@@ -12137,7 +12119,6 @@
                         <a:rPr lang="it-IT" sz="1600" dirty="0" smtClean="0"/>
                         <a:t>Domain</a:t>
                       </a:r>
-                      <a:endParaRPr lang="it-IT" sz="1600" dirty="0" smtClean="0"/>
                     </a:p>
                   </a:txBody>
                   <a:tcPr marL="0" marR="0" marT="0" marB="0"/>
@@ -12339,7 +12320,6 @@
                         <a:rPr lang="it-IT" sz="1600" dirty="0" smtClean="0"/>
                         <a:t>VATPIA</a:t>
                       </a:r>
-                      <a:endParaRPr lang="it-IT" sz="1600" dirty="0" smtClean="0"/>
                     </a:p>
                   </a:txBody>
                   <a:tcPr marL="0" marR="0" marT="0" marB="0"/>
@@ -12527,7 +12507,6 @@
                         <a:rPr lang="it-IT" sz="1600" dirty="0" smtClean="0"/>
                         <a:t>)</a:t>
                       </a:r>
-                      <a:endParaRPr lang="it-IT" sz="1600" dirty="0" smtClean="0"/>
                     </a:p>
                   </a:txBody>
                   <a:tcPr marL="0" marR="0" marT="0" marB="0"/>
@@ -12814,7 +12793,6 @@
                         <a:rPr lang="it-IT" sz="1600" dirty="0" smtClean="0"/>
                         <a:t>C_DEFL</a:t>
                       </a:r>
-                      <a:endParaRPr lang="it-IT" sz="1600" dirty="0" smtClean="0"/>
                     </a:p>
                   </a:txBody>
                   <a:tcPr marL="0" marR="0" marT="0" marB="0"/>
@@ -14408,15 +14386,7 @@
                   <a:srgbClr val="C00000"/>
                 </a:solidFill>
               </a:rPr>
-              <a:t> </a:t>
-            </a:r>
-            <a:r>
-              <a:rPr lang="it-IT" sz="3200" dirty="0" smtClean="0">
-                <a:solidFill>
-                  <a:srgbClr val="C00000"/>
-                </a:solidFill>
-              </a:rPr>
-              <a:t>production: </a:t>
+              <a:t> production: </a:t>
             </a:r>
             <a:r>
               <a:rPr lang="it-IT" sz="3200" dirty="0" err="1" smtClean="0">
@@ -14688,7 +14658,6 @@
                         <a:rPr lang="it-IT" sz="1600" dirty="0" smtClean="0"/>
                         <a:t>Domain</a:t>
                       </a:r>
-                      <a:endParaRPr lang="it-IT" sz="1600" dirty="0" smtClean="0"/>
                     </a:p>
                   </a:txBody>
                   <a:tcPr marL="0" marR="0" marT="0" marB="0"/>
@@ -14890,7 +14859,6 @@
                         <a:rPr lang="it-IT" sz="1600" dirty="0" smtClean="0"/>
                         <a:t>VATPIA</a:t>
                       </a:r>
-                      <a:endParaRPr lang="it-IT" sz="1600" dirty="0" smtClean="0"/>
                     </a:p>
                   </a:txBody>
                   <a:tcPr marL="0" marR="0" marT="0" marB="0"/>
@@ -14975,7 +14943,7 @@
           <p:nvPr>
             <p:extLst>
               <p:ext uri="{D42A27DB-BD31-4B8C-83A1-F6EECF244321}">
-                <p14:modId xmlns:p14="http://schemas.microsoft.com/office/powerpoint/2010/main" val="853135645"/>
+                <p14:modId xmlns:p14="http://schemas.microsoft.com/office/powerpoint/2010/main" val="3644223938"/>
               </p:ext>
             </p:extLst>
           </p:nvPr>
@@ -15063,20 +15031,16 @@
                     <a:p>
                       <a:pPr algn="ctr"/>
                       <a:r>
-                        <a:rPr lang="it-IT" sz="1600" dirty="0" err="1" smtClean="0"/>
-                        <a:t>Workspace</a:t>
+                        <a:rPr lang="it-IT" sz="1600" dirty="0" smtClean="0"/>
+                        <a:t>JD_JSON</a:t>
                       </a:r>
                       <a:r>
-                        <a:rPr lang="it-IT" sz="1600" dirty="0" smtClean="0"/>
-                        <a:t> (</a:t>
+                        <a:rPr lang="it-IT" sz="1600" baseline="0" dirty="0" smtClean="0"/>
+                        <a:t> </a:t>
                       </a:r>
                       <a:r>
-                        <a:rPr lang="it-IT" sz="1600" dirty="0" err="1" smtClean="0"/>
-                        <a:t>data+spec</a:t>
-                      </a:r>
-                      <a:r>
-                        <a:rPr lang="it-IT" sz="1600" dirty="0" smtClean="0"/>
-                        <a:t>)</a:t>
+                        <a:rPr lang="it-IT" sz="1600" baseline="0" dirty="0" err="1" smtClean="0"/>
+                        <a:t>spec</a:t>
                       </a:r>
                       <a:endParaRPr lang="it-IT" sz="1600" dirty="0" smtClean="0"/>
                     </a:p>
@@ -15385,7 +15349,6 @@
                         <a:rPr lang="it-IT" sz="1600" dirty="0" smtClean="0"/>
                         <a:t>C_DEFL</a:t>
                       </a:r>
-                      <a:endParaRPr lang="it-IT" sz="1600" dirty="0" smtClean="0"/>
                     </a:p>
                   </a:txBody>
                   <a:tcPr marL="0" marR="0" marT="0" marB="0"/>
@@ -15925,7 +15888,7 @@
         </p:nvSpPr>
         <p:spPr>
           <a:xfrm>
-            <a:off x="1272876" y="4885021"/>
+            <a:off x="1272876" y="5014228"/>
             <a:ext cx="2067340" cy="871732"/>
           </a:xfrm>
           <a:prstGeom prst="roundRect">
@@ -15976,50 +15939,31 @@
                   <a:schemeClr val="bg1"/>
                 </a:solidFill>
               </a:rPr>
-              <a:t> Processing</a:t>
-            </a:r>
+              <a:t> </a:t>
+            </a:r>
+            <a:r>
+              <a:rPr lang="it-IT" b="1" dirty="0" smtClean="0">
+                <a:solidFill>
+                  <a:schemeClr val="bg1"/>
+                </a:solidFill>
+              </a:rPr>
+              <a:t>Processing with</a:t>
+            </a:r>
+            <a:endParaRPr lang="it-IT" b="1" dirty="0" smtClean="0">
+              <a:solidFill>
+                <a:schemeClr val="bg1"/>
+              </a:solidFill>
+            </a:endParaRPr>
           </a:p>
           <a:p>
             <a:pPr algn="ctr"/>
             <a:r>
-              <a:rPr lang="it-IT" b="1" dirty="0" smtClean="0">
+              <a:rPr lang="it-IT" b="1" dirty="0" err="1" smtClean="0">
                 <a:solidFill>
                   <a:schemeClr val="bg1"/>
                 </a:solidFill>
               </a:rPr>
-              <a:t>(</a:t>
-            </a:r>
-            <a:r>
-              <a:rPr lang="it-IT" b="1" dirty="0" err="1" smtClean="0">
-                <a:solidFill>
-                  <a:schemeClr val="bg1"/>
-                </a:solidFill>
-              </a:rPr>
-              <a:t>RJDemetra</a:t>
-            </a:r>
-            <a:r>
-              <a:rPr lang="it-IT" b="1" dirty="0" smtClean="0">
-                <a:solidFill>
-                  <a:schemeClr val="bg1"/>
-                </a:solidFill>
-              </a:rPr>
-              <a:t>/rjd3/</a:t>
-            </a:r>
-            <a:r>
-              <a:rPr lang="it-IT" b="1" dirty="0" err="1" smtClean="0">
-                <a:solidFill>
-                  <a:schemeClr val="bg1"/>
-                </a:solidFill>
-              </a:rPr>
-              <a:t>cruncher</a:t>
-            </a:r>
-            <a:r>
-              <a:rPr lang="it-IT" b="1" dirty="0" smtClean="0">
-                <a:solidFill>
-                  <a:schemeClr val="bg1"/>
-                </a:solidFill>
-              </a:rPr>
-              <a:t>)</a:t>
+              <a:t>RJDProcessor</a:t>
             </a:r>
             <a:endParaRPr lang="it-IT" b="1" dirty="0">
               <a:solidFill>
@@ -17784,6 +17728,80 @@
 </file>
 
 <file path=customXml/item1.xml><?xml version="1.0" encoding="utf-8"?>
+<p:properties xmlns:p="http://schemas.microsoft.com/office/2006/metadata/properties" xmlns:xsi="http://www.w3.org/2001/XMLSchema-instance" xmlns:pc="http://schemas.microsoft.com/office/infopath/2007/PartnerControls">
+  <documentManagement>
+    <SottoCategoria xmlns="679261c3-551f-4e86-913f-177e0e529669">-</SottoCategoria>
+    <Categoria xmlns="c58f2efd-82a8-4ecf-b395-8c25e928921d">3- Standard presentazioni Power Point</Categoria>
+    <_dlc_DocId xmlns="459159c4-d20a-4ff3-9b11-fbd127bd52e5">INTRANET-14-174</_dlc_DocId>
+    <_dlc_DocIdUrl xmlns="459159c4-d20a-4ff3-9b11-fbd127bd52e5">
+      <Url>https://intranet.istat.it/Collaborativi/_layouts/15/DocIdRedir.aspx?ID=INTRANET-14-174</Url>
+      <Description>INTRANET-14-174</Description>
+    </_dlc_DocIdUrl>
+    <Ordine xmlns="679261c3-551f-4e86-913f-177e0e529669">1</Ordine>
+  </documentManagement>
+</p:properties>
+</file>
+
+<file path=customXml/item2.xml><?xml version="1.0" encoding="utf-8"?>
+<?mso-contentType ?>
+<spe:Receivers xmlns:spe="http://schemas.microsoft.com/sharepoint/events">
+  <Receiver>
+    <Name>Document ID Generator</Name>
+    <Synchronization>Synchronous</Synchronization>
+    <Type>10001</Type>
+    <SequenceNumber>1000</SequenceNumber>
+    <Url/>
+    <Assembly>Microsoft.Office.DocumentManagement, Version=15.0.0.0, Culture=neutral, PublicKeyToken=71e9bce111e9429c</Assembly>
+    <Class>Microsoft.Office.DocumentManagement.Internal.DocIdHandler</Class>
+    <Data/>
+    <Filter/>
+  </Receiver>
+  <Receiver>
+    <Name>Document ID Generator</Name>
+    <Synchronization>Synchronous</Synchronization>
+    <Type>10002</Type>
+    <SequenceNumber>1001</SequenceNumber>
+    <Url/>
+    <Assembly>Microsoft.Office.DocumentManagement, Version=15.0.0.0, Culture=neutral, PublicKeyToken=71e9bce111e9429c</Assembly>
+    <Class>Microsoft.Office.DocumentManagement.Internal.DocIdHandler</Class>
+    <Data/>
+    <Filter/>
+  </Receiver>
+  <Receiver>
+    <Name>Document ID Generator</Name>
+    <Synchronization>Synchronous</Synchronization>
+    <Type>10004</Type>
+    <SequenceNumber>1002</SequenceNumber>
+    <Url/>
+    <Assembly>Microsoft.Office.DocumentManagement, Version=15.0.0.0, Culture=neutral, PublicKeyToken=71e9bce111e9429c</Assembly>
+    <Class>Microsoft.Office.DocumentManagement.Internal.DocIdHandler</Class>
+    <Data/>
+    <Filter/>
+  </Receiver>
+  <Receiver>
+    <Name>Document ID Generator</Name>
+    <Synchronization>Synchronous</Synchronization>
+    <Type>10006</Type>
+    <SequenceNumber>1003</SequenceNumber>
+    <Url/>
+    <Assembly>Microsoft.Office.DocumentManagement, Version=15.0.0.0, Culture=neutral, PublicKeyToken=71e9bce111e9429c</Assembly>
+    <Class>Microsoft.Office.DocumentManagement.Internal.DocIdHandler</Class>
+    <Data/>
+    <Filter/>
+  </Receiver>
+</spe:Receivers>
+</file>
+
+<file path=customXml/item3.xml><?xml version="1.0" encoding="utf-8"?>
+<?mso-contentType ?>
+<FormTemplates xmlns="http://schemas.microsoft.com/sharepoint/v3/contenttype/forms">
+  <Display>DocumentLibraryForm</Display>
+  <Edit>DocumentLibraryForm</Edit>
+  <New>DocumentLibraryForm</New>
+</FormTemplates>
+</file>
+
+<file path=customXml/item4.xml><?xml version="1.0" encoding="utf-8"?>
 <ct:contentTypeSchema xmlns:ct="http://schemas.microsoft.com/office/2006/metadata/contentType" xmlns:ma="http://schemas.microsoft.com/office/2006/metadata/properties/metaAttributes" ct:_="" ma:_="" ma:contentTypeName="Documento" ma:contentTypeID="0x010100661A2BE3120D674DA36C11D6006822D4" ma:contentTypeVersion="5" ma:contentTypeDescription="Creare un nuovo documento." ma:contentTypeScope="" ma:versionID="742e6049321d93803bb3bb587f561ffa">
   <xsd:schema xmlns:xsd="http://www.w3.org/2001/XMLSchema" xmlns:xs="http://www.w3.org/2001/XMLSchema" xmlns:p="http://schemas.microsoft.com/office/2006/metadata/properties" xmlns:ns2="c58f2efd-82a8-4ecf-b395-8c25e928921d" xmlns:ns3="459159c4-d20a-4ff3-9b11-fbd127bd52e5" xmlns:ns4="679261c3-551f-4e86-913f-177e0e529669" targetNamespace="http://schemas.microsoft.com/office/2006/metadata/properties" ma:root="true" ma:fieldsID="939ae4a7eaec2950db97a79ca38d2d4d" ns2:_="" ns3:_="" ns4:_="">
     <xsd:import namespace="c58f2efd-82a8-4ecf-b395-8c25e928921d"/>
@@ -17976,81 +17994,41 @@
 </ct:contentTypeSchema>
 </file>
 
-<file path=customXml/item2.xml><?xml version="1.0" encoding="utf-8"?>
-<?mso-contentType ?>
-<FormTemplates xmlns="http://schemas.microsoft.com/sharepoint/v3/contenttype/forms">
-  <Display>DocumentLibraryForm</Display>
-  <Edit>DocumentLibraryForm</Edit>
-  <New>DocumentLibraryForm</New>
-</FormTemplates>
+<file path=customXml/itemProps1.xml><?xml version="1.0" encoding="utf-8"?>
+<ds:datastoreItem xmlns:ds="http://schemas.openxmlformats.org/officeDocument/2006/customXml" ds:itemID="{3EF378BC-F4D0-4510-B4EC-07B6EFE18CF8}">
+  <ds:schemaRefs>
+    <ds:schemaRef ds:uri="http://purl.org/dc/dcmitype/"/>
+    <ds:schemaRef ds:uri="http://schemas.openxmlformats.org/package/2006/metadata/core-properties"/>
+    <ds:schemaRef ds:uri="http://schemas.microsoft.com/office/2006/documentManagement/types"/>
+    <ds:schemaRef ds:uri="http://purl.org/dc/terms/"/>
+    <ds:schemaRef ds:uri="http://purl.org/dc/elements/1.1/"/>
+    <ds:schemaRef ds:uri="http://schemas.microsoft.com/office/2006/metadata/properties"/>
+    <ds:schemaRef ds:uri="http://www.w3.org/XML/1998/namespace"/>
+    <ds:schemaRef ds:uri="459159c4-d20a-4ff3-9b11-fbd127bd52e5"/>
+    <ds:schemaRef ds:uri="http://schemas.microsoft.com/office/infopath/2007/PartnerControls"/>
+    <ds:schemaRef ds:uri="679261c3-551f-4e86-913f-177e0e529669"/>
+    <ds:schemaRef ds:uri="c58f2efd-82a8-4ecf-b395-8c25e928921d"/>
+  </ds:schemaRefs>
+</ds:datastoreItem>
 </file>
 
-<file path=customXml/item3.xml><?xml version="1.0" encoding="utf-8"?>
-<?mso-contentType ?>
-<spe:Receivers xmlns:spe="http://schemas.microsoft.com/sharepoint/events">
-  <Receiver>
-    <Name>Document ID Generator</Name>
-    <Synchronization>Synchronous</Synchronization>
-    <Type>10001</Type>
-    <SequenceNumber>1000</SequenceNumber>
-    <Url/>
-    <Assembly>Microsoft.Office.DocumentManagement, Version=15.0.0.0, Culture=neutral, PublicKeyToken=71e9bce111e9429c</Assembly>
-    <Class>Microsoft.Office.DocumentManagement.Internal.DocIdHandler</Class>
-    <Data/>
-    <Filter/>
-  </Receiver>
-  <Receiver>
-    <Name>Document ID Generator</Name>
-    <Synchronization>Synchronous</Synchronization>
-    <Type>10002</Type>
-    <SequenceNumber>1001</SequenceNumber>
-    <Url/>
-    <Assembly>Microsoft.Office.DocumentManagement, Version=15.0.0.0, Culture=neutral, PublicKeyToken=71e9bce111e9429c</Assembly>
-    <Class>Microsoft.Office.DocumentManagement.Internal.DocIdHandler</Class>
-    <Data/>
-    <Filter/>
-  </Receiver>
-  <Receiver>
-    <Name>Document ID Generator</Name>
-    <Synchronization>Synchronous</Synchronization>
-    <Type>10004</Type>
-    <SequenceNumber>1002</SequenceNumber>
-    <Url/>
-    <Assembly>Microsoft.Office.DocumentManagement, Version=15.0.0.0, Culture=neutral, PublicKeyToken=71e9bce111e9429c</Assembly>
-    <Class>Microsoft.Office.DocumentManagement.Internal.DocIdHandler</Class>
-    <Data/>
-    <Filter/>
-  </Receiver>
-  <Receiver>
-    <Name>Document ID Generator</Name>
-    <Synchronization>Synchronous</Synchronization>
-    <Type>10006</Type>
-    <SequenceNumber>1003</SequenceNumber>
-    <Url/>
-    <Assembly>Microsoft.Office.DocumentManagement, Version=15.0.0.0, Culture=neutral, PublicKeyToken=71e9bce111e9429c</Assembly>
-    <Class>Microsoft.Office.DocumentManagement.Internal.DocIdHandler</Class>
-    <Data/>
-    <Filter/>
-  </Receiver>
-</spe:Receivers>
+<file path=customXml/itemProps2.xml><?xml version="1.0" encoding="utf-8"?>
+<ds:datastoreItem xmlns:ds="http://schemas.openxmlformats.org/officeDocument/2006/customXml" ds:itemID="{D9296C4F-9DE9-4B43-AA80-1FC85656CFFA}">
+  <ds:schemaRefs>
+    <ds:schemaRef ds:uri="http://schemas.microsoft.com/sharepoint/events"/>
+  </ds:schemaRefs>
+</ds:datastoreItem>
 </file>
 
-<file path=customXml/item4.xml><?xml version="1.0" encoding="utf-8"?>
-<p:properties xmlns:p="http://schemas.microsoft.com/office/2006/metadata/properties" xmlns:xsi="http://www.w3.org/2001/XMLSchema-instance" xmlns:pc="http://schemas.microsoft.com/office/infopath/2007/PartnerControls">
-  <documentManagement>
-    <SottoCategoria xmlns="679261c3-551f-4e86-913f-177e0e529669">-</SottoCategoria>
-    <Categoria xmlns="c58f2efd-82a8-4ecf-b395-8c25e928921d">3- Standard presentazioni Power Point</Categoria>
-    <_dlc_DocId xmlns="459159c4-d20a-4ff3-9b11-fbd127bd52e5">INTRANET-14-174</_dlc_DocId>
-    <_dlc_DocIdUrl xmlns="459159c4-d20a-4ff3-9b11-fbd127bd52e5">
-      <Url>https://intranet.istat.it/Collaborativi/_layouts/15/DocIdRedir.aspx?ID=INTRANET-14-174</Url>
-      <Description>INTRANET-14-174</Description>
-    </_dlc_DocIdUrl>
-    <Ordine xmlns="679261c3-551f-4e86-913f-177e0e529669">1</Ordine>
-  </documentManagement>
-</p:properties>
+<file path=customXml/itemProps3.xml><?xml version="1.0" encoding="utf-8"?>
+<ds:datastoreItem xmlns:ds="http://schemas.openxmlformats.org/officeDocument/2006/customXml" ds:itemID="{BD9C238D-4D5C-4783-820B-4854DCE45D41}">
+  <ds:schemaRefs>
+    <ds:schemaRef ds:uri="http://schemas.microsoft.com/sharepoint/v3/contenttype/forms"/>
+  </ds:schemaRefs>
+</ds:datastoreItem>
 </file>
 
-<file path=customXml/itemProps1.xml><?xml version="1.0" encoding="utf-8"?>
+<file path=customXml/itemProps4.xml><?xml version="1.0" encoding="utf-8"?>
 <ds:datastoreItem xmlns:ds="http://schemas.openxmlformats.org/officeDocument/2006/customXml" ds:itemID="{AA760D03-2285-4F80-B9FC-1F4F97E97129}">
   <ds:schemaRefs>
     <ds:schemaRef ds:uri="http://schemas.microsoft.com/office/2006/metadata/contentType"/>
@@ -18068,38 +18046,4 @@
     <ds:schemaRef ds:uri="http://schemas.microsoft.com/internal/obd"/>
   </ds:schemaRefs>
 </ds:datastoreItem>
-</file>
-
-<file path=customXml/itemProps2.xml><?xml version="1.0" encoding="utf-8"?>
-<ds:datastoreItem xmlns:ds="http://schemas.openxmlformats.org/officeDocument/2006/customXml" ds:itemID="{BD9C238D-4D5C-4783-820B-4854DCE45D41}">
-  <ds:schemaRefs>
-    <ds:schemaRef ds:uri="http://schemas.microsoft.com/sharepoint/v3/contenttype/forms"/>
-  </ds:schemaRefs>
-</ds:datastoreItem>
-</file>
-
-<file path=customXml/itemProps3.xml><?xml version="1.0" encoding="utf-8"?>
-<ds:datastoreItem xmlns:ds="http://schemas.openxmlformats.org/officeDocument/2006/customXml" ds:itemID="{D9296C4F-9DE9-4B43-AA80-1FC85656CFFA}">
-  <ds:schemaRefs>
-    <ds:schemaRef ds:uri="http://schemas.microsoft.com/sharepoint/events"/>
-  </ds:schemaRefs>
-</ds:datastoreItem>
-</file>
-
-<file path=customXml/itemProps4.xml><?xml version="1.0" encoding="utf-8"?>
-<ds:datastoreItem xmlns:ds="http://schemas.openxmlformats.org/officeDocument/2006/customXml" ds:itemID="{3EF378BC-F4D0-4510-B4EC-07B6EFE18CF8}">
-  <ds:schemaRefs>
-    <ds:schemaRef ds:uri="http://www.w3.org/XML/1998/namespace"/>
-    <ds:schemaRef ds:uri="c58f2efd-82a8-4ecf-b395-8c25e928921d"/>
-    <ds:schemaRef ds:uri="http://purl.org/dc/terms/"/>
-    <ds:schemaRef ds:uri="http://schemas.microsoft.com/office/2006/documentManagement/types"/>
-    <ds:schemaRef ds:uri="http://purl.org/dc/elements/1.1/"/>
-    <ds:schemaRef ds:uri="http://purl.org/dc/dcmitype/"/>
-    <ds:schemaRef ds:uri="http://schemas.microsoft.com/office/infopath/2007/PartnerControls"/>
-    <ds:schemaRef ds:uri="679261c3-551f-4e86-913f-177e0e529669"/>
-    <ds:schemaRef ds:uri="459159c4-d20a-4ff3-9b11-fbd127bd52e5"/>
-    <ds:schemaRef ds:uri="http://schemas.openxmlformats.org/package/2006/metadata/core-properties"/>
-    <ds:schemaRef ds:uri="http://schemas.microsoft.com/office/2006/metadata/properties"/>
-  </ds:schemaRefs>
-</ds:datastoreItem>
 </file>
--- a/RJDProcessor/doc/package_description/Seasonal adjustment processes in statistical production.pptx
+++ b/RJDProcessor/doc/package_description/Seasonal adjustment processes in statistical production.pptx
@@ -13596,7 +13596,7 @@
         <p:spPr>
           <a:xfrm>
             <a:off x="8230247" y="5085870"/>
-            <a:ext cx="3209725" cy="369332"/>
+            <a:ext cx="4133055" cy="369332"/>
           </a:xfrm>
           <a:prstGeom prst="rect">
             <a:avLst/>
@@ -13617,24 +13617,20 @@
               <a:t>6) </a:t>
             </a:r>
             <a:r>
-              <a:rPr lang="it-IT" dirty="0" err="1" smtClean="0">
+              <a:rPr lang="it-IT">
                 <a:solidFill>
                   <a:srgbClr val="FFC000"/>
                 </a:solidFill>
               </a:rPr>
-              <a:t>split_workspace</a:t>
-            </a:r>
-            <a:r>
-              <a:rPr lang="it-IT" dirty="0" smtClean="0">
-                <a:solidFill>
-                  <a:srgbClr val="FFC000"/>
-                </a:solidFill>
-              </a:rPr>
-              <a:t>()</a:t>
+              <a:t>get_single_ts_workspaces()</a:t>
+            </a:r>
+            <a:r>
+              <a:rPr lang="it-IT" smtClean="0"/>
+              <a:t> </a:t>
             </a:r>
             <a:r>
               <a:rPr lang="it-IT" dirty="0" smtClean="0"/>
-              <a:t> and upload</a:t>
+              <a:t>and upload</a:t>
             </a:r>
             <a:endParaRPr lang="it-IT" dirty="0"/>
           </a:p>
@@ -15939,21 +15935,8 @@
                   <a:schemeClr val="bg1"/>
                 </a:solidFill>
               </a:rPr>
-              <a:t> </a:t>
-            </a:r>
-            <a:r>
-              <a:rPr lang="it-IT" b="1" dirty="0" smtClean="0">
-                <a:solidFill>
-                  <a:schemeClr val="bg1"/>
-                </a:solidFill>
-              </a:rPr>
-              <a:t>Processing with</a:t>
-            </a:r>
-            <a:endParaRPr lang="it-IT" b="1" dirty="0" smtClean="0">
-              <a:solidFill>
-                <a:schemeClr val="bg1"/>
-              </a:solidFill>
-            </a:endParaRPr>
+              <a:t> Processing with</a:t>
+            </a:r>
           </a:p>
           <a:p>
             <a:pPr algn="ctr"/>
@@ -17728,80 +17711,6 @@
 </file>
 
 <file path=customXml/item1.xml><?xml version="1.0" encoding="utf-8"?>
-<p:properties xmlns:p="http://schemas.microsoft.com/office/2006/metadata/properties" xmlns:xsi="http://www.w3.org/2001/XMLSchema-instance" xmlns:pc="http://schemas.microsoft.com/office/infopath/2007/PartnerControls">
-  <documentManagement>
-    <SottoCategoria xmlns="679261c3-551f-4e86-913f-177e0e529669">-</SottoCategoria>
-    <Categoria xmlns="c58f2efd-82a8-4ecf-b395-8c25e928921d">3- Standard presentazioni Power Point</Categoria>
-    <_dlc_DocId xmlns="459159c4-d20a-4ff3-9b11-fbd127bd52e5">INTRANET-14-174</_dlc_DocId>
-    <_dlc_DocIdUrl xmlns="459159c4-d20a-4ff3-9b11-fbd127bd52e5">
-      <Url>https://intranet.istat.it/Collaborativi/_layouts/15/DocIdRedir.aspx?ID=INTRANET-14-174</Url>
-      <Description>INTRANET-14-174</Description>
-    </_dlc_DocIdUrl>
-    <Ordine xmlns="679261c3-551f-4e86-913f-177e0e529669">1</Ordine>
-  </documentManagement>
-</p:properties>
-</file>
-
-<file path=customXml/item2.xml><?xml version="1.0" encoding="utf-8"?>
-<?mso-contentType ?>
-<spe:Receivers xmlns:spe="http://schemas.microsoft.com/sharepoint/events">
-  <Receiver>
-    <Name>Document ID Generator</Name>
-    <Synchronization>Synchronous</Synchronization>
-    <Type>10001</Type>
-    <SequenceNumber>1000</SequenceNumber>
-    <Url/>
-    <Assembly>Microsoft.Office.DocumentManagement, Version=15.0.0.0, Culture=neutral, PublicKeyToken=71e9bce111e9429c</Assembly>
-    <Class>Microsoft.Office.DocumentManagement.Internal.DocIdHandler</Class>
-    <Data/>
-    <Filter/>
-  </Receiver>
-  <Receiver>
-    <Name>Document ID Generator</Name>
-    <Synchronization>Synchronous</Synchronization>
-    <Type>10002</Type>
-    <SequenceNumber>1001</SequenceNumber>
-    <Url/>
-    <Assembly>Microsoft.Office.DocumentManagement, Version=15.0.0.0, Culture=neutral, PublicKeyToken=71e9bce111e9429c</Assembly>
-    <Class>Microsoft.Office.DocumentManagement.Internal.DocIdHandler</Class>
-    <Data/>
-    <Filter/>
-  </Receiver>
-  <Receiver>
-    <Name>Document ID Generator</Name>
-    <Synchronization>Synchronous</Synchronization>
-    <Type>10004</Type>
-    <SequenceNumber>1002</SequenceNumber>
-    <Url/>
-    <Assembly>Microsoft.Office.DocumentManagement, Version=15.0.0.0, Culture=neutral, PublicKeyToken=71e9bce111e9429c</Assembly>
-    <Class>Microsoft.Office.DocumentManagement.Internal.DocIdHandler</Class>
-    <Data/>
-    <Filter/>
-  </Receiver>
-  <Receiver>
-    <Name>Document ID Generator</Name>
-    <Synchronization>Synchronous</Synchronization>
-    <Type>10006</Type>
-    <SequenceNumber>1003</SequenceNumber>
-    <Url/>
-    <Assembly>Microsoft.Office.DocumentManagement, Version=15.0.0.0, Culture=neutral, PublicKeyToken=71e9bce111e9429c</Assembly>
-    <Class>Microsoft.Office.DocumentManagement.Internal.DocIdHandler</Class>
-    <Data/>
-    <Filter/>
-  </Receiver>
-</spe:Receivers>
-</file>
-
-<file path=customXml/item3.xml><?xml version="1.0" encoding="utf-8"?>
-<?mso-contentType ?>
-<FormTemplates xmlns="http://schemas.microsoft.com/sharepoint/v3/contenttype/forms">
-  <Display>DocumentLibraryForm</Display>
-  <Edit>DocumentLibraryForm</Edit>
-  <New>DocumentLibraryForm</New>
-</FormTemplates>
-</file>
-
-<file path=customXml/item4.xml><?xml version="1.0" encoding="utf-8"?>
 <ct:contentTypeSchema xmlns:ct="http://schemas.microsoft.com/office/2006/metadata/contentType" xmlns:ma="http://schemas.microsoft.com/office/2006/metadata/properties/metaAttributes" ct:_="" ma:_="" ma:contentTypeName="Documento" ma:contentTypeID="0x010100661A2BE3120D674DA36C11D6006822D4" ma:contentTypeVersion="5" ma:contentTypeDescription="Creare un nuovo documento." ma:contentTypeScope="" ma:versionID="742e6049321d93803bb3bb587f561ffa">
   <xsd:schema xmlns:xsd="http://www.w3.org/2001/XMLSchema" xmlns:xs="http://www.w3.org/2001/XMLSchema" xmlns:p="http://schemas.microsoft.com/office/2006/metadata/properties" xmlns:ns2="c58f2efd-82a8-4ecf-b395-8c25e928921d" xmlns:ns3="459159c4-d20a-4ff3-9b11-fbd127bd52e5" xmlns:ns4="679261c3-551f-4e86-913f-177e0e529669" targetNamespace="http://schemas.microsoft.com/office/2006/metadata/properties" ma:root="true" ma:fieldsID="939ae4a7eaec2950db97a79ca38d2d4d" ns2:_="" ns3:_="" ns4:_="">
     <xsd:import namespace="c58f2efd-82a8-4ecf-b395-8c25e928921d"/>
@@ -17994,41 +17903,81 @@
 </ct:contentTypeSchema>
 </file>
 
-<file path=customXml/itemProps1.xml><?xml version="1.0" encoding="utf-8"?>
-<ds:datastoreItem xmlns:ds="http://schemas.openxmlformats.org/officeDocument/2006/customXml" ds:itemID="{3EF378BC-F4D0-4510-B4EC-07B6EFE18CF8}">
-  <ds:schemaRefs>
-    <ds:schemaRef ds:uri="http://purl.org/dc/dcmitype/"/>
-    <ds:schemaRef ds:uri="http://schemas.openxmlformats.org/package/2006/metadata/core-properties"/>
-    <ds:schemaRef ds:uri="http://schemas.microsoft.com/office/2006/documentManagement/types"/>
-    <ds:schemaRef ds:uri="http://purl.org/dc/terms/"/>
-    <ds:schemaRef ds:uri="http://purl.org/dc/elements/1.1/"/>
-    <ds:schemaRef ds:uri="http://schemas.microsoft.com/office/2006/metadata/properties"/>
-    <ds:schemaRef ds:uri="http://www.w3.org/XML/1998/namespace"/>
-    <ds:schemaRef ds:uri="459159c4-d20a-4ff3-9b11-fbd127bd52e5"/>
-    <ds:schemaRef ds:uri="http://schemas.microsoft.com/office/infopath/2007/PartnerControls"/>
-    <ds:schemaRef ds:uri="679261c3-551f-4e86-913f-177e0e529669"/>
-    <ds:schemaRef ds:uri="c58f2efd-82a8-4ecf-b395-8c25e928921d"/>
-  </ds:schemaRefs>
-</ds:datastoreItem>
+<file path=customXml/item2.xml><?xml version="1.0" encoding="utf-8"?>
+<?mso-contentType ?>
+<FormTemplates xmlns="http://schemas.microsoft.com/sharepoint/v3/contenttype/forms">
+  <Display>DocumentLibraryForm</Display>
+  <Edit>DocumentLibraryForm</Edit>
+  <New>DocumentLibraryForm</New>
+</FormTemplates>
 </file>
 
-<file path=customXml/itemProps2.xml><?xml version="1.0" encoding="utf-8"?>
-<ds:datastoreItem xmlns:ds="http://schemas.openxmlformats.org/officeDocument/2006/customXml" ds:itemID="{D9296C4F-9DE9-4B43-AA80-1FC85656CFFA}">
-  <ds:schemaRefs>
-    <ds:schemaRef ds:uri="http://schemas.microsoft.com/sharepoint/events"/>
-  </ds:schemaRefs>
-</ds:datastoreItem>
+<file path=customXml/item3.xml><?xml version="1.0" encoding="utf-8"?>
+<?mso-contentType ?>
+<spe:Receivers xmlns:spe="http://schemas.microsoft.com/sharepoint/events">
+  <Receiver>
+    <Name>Document ID Generator</Name>
+    <Synchronization>Synchronous</Synchronization>
+    <Type>10001</Type>
+    <SequenceNumber>1000</SequenceNumber>
+    <Url/>
+    <Assembly>Microsoft.Office.DocumentManagement, Version=15.0.0.0, Culture=neutral, PublicKeyToken=71e9bce111e9429c</Assembly>
+    <Class>Microsoft.Office.DocumentManagement.Internal.DocIdHandler</Class>
+    <Data/>
+    <Filter/>
+  </Receiver>
+  <Receiver>
+    <Name>Document ID Generator</Name>
+    <Synchronization>Synchronous</Synchronization>
+    <Type>10002</Type>
+    <SequenceNumber>1001</SequenceNumber>
+    <Url/>
+    <Assembly>Microsoft.Office.DocumentManagement, Version=15.0.0.0, Culture=neutral, PublicKeyToken=71e9bce111e9429c</Assembly>
+    <Class>Microsoft.Office.DocumentManagement.Internal.DocIdHandler</Class>
+    <Data/>
+    <Filter/>
+  </Receiver>
+  <Receiver>
+    <Name>Document ID Generator</Name>
+    <Synchronization>Synchronous</Synchronization>
+    <Type>10004</Type>
+    <SequenceNumber>1002</SequenceNumber>
+    <Url/>
+    <Assembly>Microsoft.Office.DocumentManagement, Version=15.0.0.0, Culture=neutral, PublicKeyToken=71e9bce111e9429c</Assembly>
+    <Class>Microsoft.Office.DocumentManagement.Internal.DocIdHandler</Class>
+    <Data/>
+    <Filter/>
+  </Receiver>
+  <Receiver>
+    <Name>Document ID Generator</Name>
+    <Synchronization>Synchronous</Synchronization>
+    <Type>10006</Type>
+    <SequenceNumber>1003</SequenceNumber>
+    <Url/>
+    <Assembly>Microsoft.Office.DocumentManagement, Version=15.0.0.0, Culture=neutral, PublicKeyToken=71e9bce111e9429c</Assembly>
+    <Class>Microsoft.Office.DocumentManagement.Internal.DocIdHandler</Class>
+    <Data/>
+    <Filter/>
+  </Receiver>
+</spe:Receivers>
 </file>
 
-<file path=customXml/itemProps3.xml><?xml version="1.0" encoding="utf-8"?>
-<ds:datastoreItem xmlns:ds="http://schemas.openxmlformats.org/officeDocument/2006/customXml" ds:itemID="{BD9C238D-4D5C-4783-820B-4854DCE45D41}">
-  <ds:schemaRefs>
-    <ds:schemaRef ds:uri="http://schemas.microsoft.com/sharepoint/v3/contenttype/forms"/>
-  </ds:schemaRefs>
-</ds:datastoreItem>
+<file path=customXml/item4.xml><?xml version="1.0" encoding="utf-8"?>
+<p:properties xmlns:p="http://schemas.microsoft.com/office/2006/metadata/properties" xmlns:xsi="http://www.w3.org/2001/XMLSchema-instance" xmlns:pc="http://schemas.microsoft.com/office/infopath/2007/PartnerControls">
+  <documentManagement>
+    <SottoCategoria xmlns="679261c3-551f-4e86-913f-177e0e529669">-</SottoCategoria>
+    <Categoria xmlns="c58f2efd-82a8-4ecf-b395-8c25e928921d">3- Standard presentazioni Power Point</Categoria>
+    <_dlc_DocId xmlns="459159c4-d20a-4ff3-9b11-fbd127bd52e5">INTRANET-14-174</_dlc_DocId>
+    <_dlc_DocIdUrl xmlns="459159c4-d20a-4ff3-9b11-fbd127bd52e5">
+      <Url>https://intranet.istat.it/Collaborativi/_layouts/15/DocIdRedir.aspx?ID=INTRANET-14-174</Url>
+      <Description>INTRANET-14-174</Description>
+    </_dlc_DocIdUrl>
+    <Ordine xmlns="679261c3-551f-4e86-913f-177e0e529669">1</Ordine>
+  </documentManagement>
+</p:properties>
 </file>
 
-<file path=customXml/itemProps4.xml><?xml version="1.0" encoding="utf-8"?>
+<file path=customXml/itemProps1.xml><?xml version="1.0" encoding="utf-8"?>
 <ds:datastoreItem xmlns:ds="http://schemas.openxmlformats.org/officeDocument/2006/customXml" ds:itemID="{AA760D03-2285-4F80-B9FC-1F4F97E97129}">
   <ds:schemaRefs>
     <ds:schemaRef ds:uri="http://schemas.microsoft.com/office/2006/metadata/contentType"/>
@@ -18046,4 +17995,38 @@
     <ds:schemaRef ds:uri="http://schemas.microsoft.com/internal/obd"/>
   </ds:schemaRefs>
 </ds:datastoreItem>
+</file>
+
+<file path=customXml/itemProps2.xml><?xml version="1.0" encoding="utf-8"?>
+<ds:datastoreItem xmlns:ds="http://schemas.openxmlformats.org/officeDocument/2006/customXml" ds:itemID="{BD9C238D-4D5C-4783-820B-4854DCE45D41}">
+  <ds:schemaRefs>
+    <ds:schemaRef ds:uri="http://schemas.microsoft.com/sharepoint/v3/contenttype/forms"/>
+  </ds:schemaRefs>
+</ds:datastoreItem>
+</file>
+
+<file path=customXml/itemProps3.xml><?xml version="1.0" encoding="utf-8"?>
+<ds:datastoreItem xmlns:ds="http://schemas.openxmlformats.org/officeDocument/2006/customXml" ds:itemID="{D9296C4F-9DE9-4B43-AA80-1FC85656CFFA}">
+  <ds:schemaRefs>
+    <ds:schemaRef ds:uri="http://schemas.microsoft.com/sharepoint/events"/>
+  </ds:schemaRefs>
+</ds:datastoreItem>
+</file>
+
+<file path=customXml/itemProps4.xml><?xml version="1.0" encoding="utf-8"?>
+<ds:datastoreItem xmlns:ds="http://schemas.openxmlformats.org/officeDocument/2006/customXml" ds:itemID="{3EF378BC-F4D0-4510-B4EC-07B6EFE18CF8}">
+  <ds:schemaRefs>
+    <ds:schemaRef ds:uri="http://purl.org/dc/elements/1.1/"/>
+    <ds:schemaRef ds:uri="http://purl.org/dc/terms/"/>
+    <ds:schemaRef ds:uri="http://schemas.openxmlformats.org/package/2006/metadata/core-properties"/>
+    <ds:schemaRef ds:uri="http://schemas.microsoft.com/office/infopath/2007/PartnerControls"/>
+    <ds:schemaRef ds:uri="c58f2efd-82a8-4ecf-b395-8c25e928921d"/>
+    <ds:schemaRef ds:uri="679261c3-551f-4e86-913f-177e0e529669"/>
+    <ds:schemaRef ds:uri="http://schemas.microsoft.com/office/2006/documentManagement/types"/>
+    <ds:schemaRef ds:uri="http://purl.org/dc/dcmitype/"/>
+    <ds:schemaRef ds:uri="459159c4-d20a-4ff3-9b11-fbd127bd52e5"/>
+    <ds:schemaRef ds:uri="http://schemas.microsoft.com/office/2006/metadata/properties"/>
+    <ds:schemaRef ds:uri="http://www.w3.org/XML/1998/namespace"/>
+  </ds:schemaRefs>
+</ds:datastoreItem>
 </file>
--- a/RJDProcessor/doc/package_description/Seasonal adjustment processes in statistical production.pptx
+++ b/RJDProcessor/doc/package_description/Seasonal adjustment processes in statistical production.pptx
@@ -275,7 +275,7 @@
               <a:pPr>
                 <a:defRPr/>
               </a:pPr>
-              <a:t>12/16/2024</a:t>
+              <a:t>1/22/2025</a:t>
             </a:fld>
             <a:endParaRPr lang="en-US"/>
           </a:p>
@@ -9878,23 +9878,7 @@
                   <a:srgbClr val="636462"/>
                 </a:solidFill>
               </a:rPr>
-              <a:t>Store specifications as Workspaces </a:t>
-            </a:r>
-            <a:r>
-              <a:rPr lang="en-GB" altLang="it-IT" sz="2600" b="1" dirty="0" smtClean="0">
-                <a:solidFill>
-                  <a:srgbClr val="636462"/>
-                </a:solidFill>
-              </a:rPr>
-              <a:t>(</a:t>
-            </a:r>
-            <a:r>
-              <a:rPr lang="en-GB" altLang="it-IT" sz="2600" b="1" dirty="0" smtClean="0">
-                <a:solidFill>
-                  <a:srgbClr val="636462"/>
-                </a:solidFill>
-              </a:rPr>
-              <a:t>WS)</a:t>
+              <a:t>Store specifications as Workspaces (WS)</a:t>
             </a:r>
           </a:p>
           <a:p>
@@ -10699,15 +10683,7 @@
                   <a:srgbClr val="C00000"/>
                 </a:solidFill>
               </a:rPr>
-              <a:t> production: </a:t>
-            </a:r>
-            <a:r>
-              <a:rPr lang="it-IT" sz="3200" dirty="0" smtClean="0">
-                <a:solidFill>
-                  <a:srgbClr val="C00000"/>
-                </a:solidFill>
-              </a:rPr>
-              <a:t>(</a:t>
+              <a:t> production: (</a:t>
             </a:r>
             <a:r>
               <a:rPr lang="it-IT" sz="3200" dirty="0" err="1" smtClean="0">
@@ -11264,7 +11240,6 @@
                         <a:rPr lang="it-IT" sz="1800" dirty="0" smtClean="0"/>
                         <a:t>C_DEFL</a:t>
                       </a:r>
-                      <a:endParaRPr lang="it-IT" sz="1800" dirty="0" smtClean="0"/>
                     </a:p>
                   </a:txBody>
                   <a:tcPr marL="0" marR="0" marT="0" marB="0">
@@ -11330,13 +11305,8 @@
                       </a:pPr>
                       <a:r>
                         <a:rPr lang="it-IT" sz="1800" dirty="0" smtClean="0"/>
-                        <a:t>&lt;1.2, 3, 2.6</a:t>
+                        <a:t>&lt;1.2, 3, 2.6,…&gt;</a:t>
                       </a:r>
-                      <a:r>
-                        <a:rPr lang="it-IT" sz="1800" dirty="0" smtClean="0"/>
-                        <a:t>,…&gt;</a:t>
-                      </a:r>
-                      <a:endParaRPr lang="it-IT" sz="1800" dirty="0" smtClean="0"/>
                     </a:p>
                   </a:txBody>
                   <a:tcPr marL="0" marR="0" marT="0" marB="0">
@@ -11622,11 +11592,7 @@
                       </a:pPr>
                       <a:r>
                         <a:rPr lang="it-IT" sz="1800" dirty="0" smtClean="0"/>
-                        <a:t>&lt;3.1, 3, 2.8</a:t>
-                      </a:r>
-                      <a:r>
-                        <a:rPr lang="it-IT" sz="1800" dirty="0" smtClean="0"/>
-                        <a:t>,…&gt;</a:t>
+                        <a:t>&lt;3.1, 3, 2.8,…&gt;</a:t>
                       </a:r>
                       <a:endParaRPr lang="it-IT" sz="1800" dirty="0"/>
                     </a:p>
@@ -12768,11 +12734,7 @@
             </a:r>
             <a:r>
               <a:rPr lang="en-GB" dirty="0" smtClean="0"/>
-              <a:t>D</a:t>
-            </a:r>
-            <a:r>
-              <a:rPr lang="en-GB" dirty="0" smtClean="0"/>
-              <a:t>ownload data and </a:t>
+              <a:t>Download data and </a:t>
             </a:r>
             <a:r>
               <a:rPr lang="en-GB" dirty="0" err="1" smtClean="0"/>
@@ -12800,15 +12762,7 @@
                   <a:srgbClr val="7030A0"/>
                 </a:solidFill>
               </a:rPr>
-              <a:t>2</a:t>
-            </a:r>
-            <a:r>
-              <a:rPr lang="en-GB" b="1" dirty="0" smtClean="0">
-                <a:solidFill>
-                  <a:srgbClr val="7030A0"/>
-                </a:solidFill>
-              </a:rPr>
-              <a:t>) </a:t>
+              <a:t>2) </a:t>
             </a:r>
             <a:r>
               <a:rPr lang="en-GB" dirty="0" err="1" smtClean="0">
@@ -12836,15 +12790,7 @@
                   <a:srgbClr val="7030A0"/>
                 </a:solidFill>
               </a:rPr>
-              <a:t>3</a:t>
-            </a:r>
-            <a:r>
-              <a:rPr lang="en-GB" b="1" dirty="0" smtClean="0">
-                <a:solidFill>
-                  <a:srgbClr val="7030A0"/>
-                </a:solidFill>
-              </a:rPr>
-              <a:t>) </a:t>
+              <a:t>3) </a:t>
             </a:r>
             <a:r>
               <a:rPr lang="en-GB" b="1" dirty="0" smtClean="0"/>
@@ -12880,15 +12826,7 @@
                   <a:srgbClr val="7030A0"/>
                 </a:solidFill>
               </a:rPr>
-              <a:t>4</a:t>
-            </a:r>
-            <a:r>
-              <a:rPr lang="en-GB" b="1" dirty="0" smtClean="0">
-                <a:solidFill>
-                  <a:srgbClr val="7030A0"/>
-                </a:solidFill>
-              </a:rPr>
-              <a:t>) </a:t>
+              <a:t>4) </a:t>
             </a:r>
             <a:r>
               <a:rPr lang="en-GB" dirty="0" err="1" smtClean="0">
@@ -13302,11 +13240,6 @@
               </a:rPr>
               <a:t>upload</a:t>
             </a:r>
-            <a:endParaRPr lang="it-IT" dirty="0" smtClean="0">
-              <a:solidFill>
-                <a:srgbClr val="FFC000"/>
-              </a:solidFill>
-            </a:endParaRPr>
           </a:p>
         </p:txBody>
       </p:sp>
@@ -13364,11 +13297,6 @@
               </a:rPr>
               <a:t>)</a:t>
             </a:r>
-            <a:endParaRPr lang="it-IT" dirty="0" smtClean="0">
-              <a:solidFill>
-                <a:srgbClr val="0070C0"/>
-              </a:solidFill>
-            </a:endParaRPr>
           </a:p>
         </p:txBody>
       </p:sp>
@@ -13548,11 +13476,6 @@
               </a:rPr>
               <a:t>()</a:t>
             </a:r>
-            <a:endParaRPr lang="it-IT" dirty="0" smtClean="0">
-              <a:solidFill>
-                <a:srgbClr val="0070C0"/>
-              </a:solidFill>
-            </a:endParaRPr>
           </a:p>
         </p:txBody>
       </p:sp>
@@ -13615,15 +13538,7 @@
                   <a:schemeClr val="bg1"/>
                 </a:solidFill>
               </a:rPr>
-              <a:t> </a:t>
-            </a:r>
-            <a:r>
-              <a:rPr lang="it-IT" b="1" dirty="0" smtClean="0">
-                <a:solidFill>
-                  <a:schemeClr val="bg1"/>
-                </a:solidFill>
-              </a:rPr>
-              <a:t>Processing</a:t>
+              <a:t> Processing</a:t>
             </a:r>
           </a:p>
           <a:p>
@@ -14405,7 +14320,7 @@
         </p:nvCxnSpPr>
         <p:spPr>
           <a:xfrm rot="10800000" flipV="1">
-            <a:off x="5982481" y="2378592"/>
+            <a:off x="5982481" y="2370125"/>
             <a:ext cx="3509513" cy="186171"/>
           </a:xfrm>
           <a:prstGeom prst="bentConnector2">
@@ -14962,15 +14877,7 @@
                   <a:srgbClr val="C00000"/>
                 </a:solidFill>
               </a:rPr>
-              <a:t> production: </a:t>
-            </a:r>
-            <a:r>
-              <a:rPr lang="it-IT" sz="3200" dirty="0" smtClean="0">
-                <a:solidFill>
-                  <a:srgbClr val="C00000"/>
-                </a:solidFill>
-              </a:rPr>
-              <a:t>(</a:t>
+              <a:t> production: (</a:t>
             </a:r>
             <a:r>
               <a:rPr lang="it-IT" sz="3200" dirty="0" err="1" smtClean="0">
@@ -15489,17 +15396,8 @@
                       </a:pPr>
                       <a:r>
                         <a:rPr lang="it-IT" sz="1600" dirty="0" smtClean="0"/>
-                        <a:t> &lt;</a:t>
+                        <a:t> &lt;10, 9.1, 8,…&gt;</a:t>
                       </a:r>
-                      <a:r>
-                        <a:rPr lang="it-IT" sz="1600" dirty="0" smtClean="0"/>
-                        <a:t>10, </a:t>
-                      </a:r>
-                      <a:r>
-                        <a:rPr lang="it-IT" sz="1600" dirty="0" smtClean="0"/>
-                        <a:t>9.1, 8,…&gt;</a:t>
-                      </a:r>
-                      <a:endParaRPr lang="it-IT" sz="1600" dirty="0" smtClean="0"/>
                     </a:p>
                     <a:p>
                       <a:endParaRPr lang="it-IT" sz="1600" dirty="0"/>
@@ -15670,11 +15568,7 @@
                       </a:pPr>
                       <a:r>
                         <a:rPr lang="it-IT" sz="1600" dirty="0" smtClean="0"/>
-                        <a:t> &lt;</a:t>
-                      </a:r>
-                      <a:r>
-                        <a:rPr lang="it-IT" sz="1600" dirty="0" smtClean="0"/>
-                        <a:t>1.2, 3, 2.6,…&gt;</a:t>
+                        <a:t> &lt;1.2, 3, 2.6,…&gt;</a:t>
                       </a:r>
                     </a:p>
                     <a:p>
@@ -15770,7 +15664,6 @@
                         <a:rPr lang="it-IT" sz="1600" dirty="0" smtClean="0"/>
                         <a:t> …</a:t>
                       </a:r>
-                      <a:endParaRPr lang="it-IT" sz="1600" dirty="0" smtClean="0"/>
                     </a:p>
                   </a:txBody>
                   <a:tcPr marL="0" marR="0" marT="0" marB="0">
@@ -15958,7 +15851,6 @@
                         <a:rPr lang="it-IT" sz="1600" dirty="0" smtClean="0"/>
                         <a:t> VATPIA</a:t>
                       </a:r>
-                      <a:endParaRPr lang="it-IT" sz="1600" dirty="0" smtClean="0"/>
                     </a:p>
                   </a:txBody>
                   <a:tcPr marL="0" marR="0" marT="0" marB="0">
@@ -16042,11 +15934,7 @@
                       </a:pPr>
                       <a:r>
                         <a:rPr lang="it-IT" sz="1600" dirty="0" smtClean="0"/>
-                        <a:t> &lt;</a:t>
-                      </a:r>
-                      <a:r>
-                        <a:rPr lang="it-IT" sz="1600" dirty="0" smtClean="0"/>
-                        <a:t>3.1, 3, 2.8,…&gt;</a:t>
+                        <a:t> &lt;3.1, 3, 2.8,…&gt;</a:t>
                       </a:r>
                     </a:p>
                     <a:p>
@@ -16169,7 +16057,6 @@
                         <a:rPr lang="it-IT" sz="1600" dirty="0" smtClean="0"/>
                         <a:t> VATAIA</a:t>
                       </a:r>
-                      <a:endParaRPr lang="it-IT" sz="1600" dirty="0" smtClean="0"/>
                     </a:p>
                   </a:txBody>
                   <a:tcPr marL="0" marR="0" marT="0" marB="0">
@@ -16331,7 +16218,6 @@
                         <a:rPr lang="it-IT" sz="1600" dirty="0" smtClean="0"/>
                         <a:t> …</a:t>
                       </a:r>
-                      <a:endParaRPr lang="it-IT" sz="1600" dirty="0" smtClean="0"/>
                     </a:p>
                   </a:txBody>
                   <a:tcPr marL="0" marR="0" marT="0" marB="0">
@@ -16519,7 +16405,6 @@
                         <a:rPr lang="it-IT" sz="1600" dirty="0" smtClean="0"/>
                         <a:t> …</a:t>
                       </a:r>
-                      <a:endParaRPr lang="it-IT" sz="1600" dirty="0" smtClean="0"/>
                     </a:p>
                   </a:txBody>
                   <a:tcPr marL="0" marR="0" marT="0" marB="0">
@@ -16878,15 +16763,7 @@
             </a:r>
             <a:r>
               <a:rPr lang="it-IT" dirty="0" smtClean="0"/>
-              <a:t> </a:t>
-            </a:r>
-            <a:r>
-              <a:rPr lang="it-IT" dirty="0" smtClean="0"/>
-              <a:t>(or viceversa</a:t>
-            </a:r>
-            <a:r>
-              <a:rPr lang="it-IT" dirty="0" smtClean="0"/>
-              <a:t>)   </a:t>
+              <a:t> (or viceversa)   </a:t>
             </a:r>
             <a:r>
               <a:rPr lang="it-IT" dirty="0" smtClean="0">
@@ -16937,11 +16814,7 @@
             </a:r>
             <a:r>
               <a:rPr lang="it-IT" dirty="0" smtClean="0"/>
-              <a:t> </a:t>
-            </a:r>
-            <a:r>
-              <a:rPr lang="it-IT" dirty="0" smtClean="0"/>
-              <a:t>Download data, </a:t>
+              <a:t> Download data, </a:t>
             </a:r>
             <a:r>
               <a:rPr lang="it-IT" dirty="0" err="1" smtClean="0"/>
@@ -17219,26 +17092,34 @@
                   <a:schemeClr val="bg1"/>
                 </a:solidFill>
               </a:rPr>
-              <a:t> </a:t>
-            </a:r>
+              <a:t> Processing</a:t>
+            </a:r>
+          </a:p>
+          <a:p>
+            <a:pPr algn="ctr"/>
             <a:r>
               <a:rPr lang="it-IT" b="1" dirty="0" smtClean="0">
                 <a:solidFill>
                   <a:schemeClr val="bg1"/>
                 </a:solidFill>
               </a:rPr>
-              <a:t>Processing</a:t>
-            </a:r>
-          </a:p>
-          <a:p>
-            <a:pPr algn="ctr"/>
+              <a:t>(</a:t>
+            </a:r>
+            <a:r>
+              <a:rPr lang="it-IT" b="1" dirty="0" err="1" smtClean="0">
+                <a:solidFill>
+                  <a:schemeClr val="bg1"/>
+                </a:solidFill>
+              </a:rPr>
+              <a:t>RJDemetra</a:t>
+            </a:r>
             <a:r>
               <a:rPr lang="it-IT" b="1" dirty="0" smtClean="0">
                 <a:solidFill>
                   <a:schemeClr val="bg1"/>
                 </a:solidFill>
               </a:rPr>
-              <a:t>(</a:t>
+              <a:t>/rjd3/</a:t>
             </a:r>
             <a:r>
               <a:rPr lang="it-IT" b="1" dirty="0" err="1" smtClean="0">
@@ -17246,31 +17127,15 @@
                   <a:schemeClr val="bg1"/>
                 </a:solidFill>
               </a:rPr>
-              <a:t>RJDemetra</a:t>
-            </a:r>
-            <a:r>
-              <a:rPr lang="it-IT" b="1" dirty="0" smtClean="0">
+              <a:t>cruncher</a:t>
+            </a:r>
+            <a:r>
+              <a:rPr lang="it-IT" b="1" smtClean="0">
                 <a:solidFill>
                   <a:schemeClr val="bg1"/>
                 </a:solidFill>
               </a:rPr>
-              <a:t>/rjd3/</a:t>
-            </a:r>
-            <a:r>
-              <a:rPr lang="it-IT" b="1" dirty="0" err="1" smtClean="0">
-                <a:solidFill>
-                  <a:schemeClr val="bg1"/>
-                </a:solidFill>
-              </a:rPr>
-              <a:t>cruncher</a:t>
-            </a:r>
-            <a:r>
-              <a:rPr lang="it-IT" b="1" dirty="0" smtClean="0">
-                <a:solidFill>
-                  <a:schemeClr val="bg1"/>
-                </a:solidFill>
-              </a:rPr>
-              <a:t>)</a:t>
+              <a:t>/Java)</a:t>
             </a:r>
             <a:endParaRPr lang="it-IT" b="1" dirty="0">
               <a:solidFill>
@@ -17389,11 +17254,7 @@
             </a:r>
             <a:r>
               <a:rPr lang="it-IT" dirty="0" smtClean="0"/>
-              <a:t> (with </a:t>
-            </a:r>
-            <a:r>
-              <a:rPr lang="it-IT" dirty="0" smtClean="0"/>
-              <a:t>GUI,</a:t>
+              <a:t> (with GUI,</a:t>
             </a:r>
           </a:p>
           <a:p>
@@ -17403,11 +17264,7 @@
             </a:r>
             <a:r>
               <a:rPr lang="it-IT" dirty="0" smtClean="0"/>
-              <a:t>  </a:t>
-            </a:r>
-            <a:r>
-              <a:rPr lang="it-IT" dirty="0" smtClean="0"/>
-              <a:t> </a:t>
+              <a:t>   </a:t>
             </a:r>
             <a:r>
               <a:rPr lang="it-IT" dirty="0" err="1" smtClean="0"/>
@@ -17751,11 +17608,7 @@
             </a:r>
             <a:r>
               <a:rPr lang="it-IT" dirty="0" smtClean="0"/>
-              <a:t> </a:t>
-            </a:r>
-            <a:r>
-              <a:rPr lang="it-IT" dirty="0" smtClean="0"/>
-              <a:t>to </a:t>
+              <a:t> to </a:t>
             </a:r>
             <a:r>
               <a:rPr lang="it-IT" dirty="0" err="1" smtClean="0"/>
@@ -17807,11 +17660,6 @@
               </a:rPr>
               <a:t>3</a:t>
             </a:r>
-            <a:endParaRPr lang="it-IT" b="1" dirty="0" smtClean="0">
-              <a:solidFill>
-                <a:srgbClr val="7030A0"/>
-              </a:solidFill>
-            </a:endParaRPr>
           </a:p>
         </p:txBody>
       </p:sp>
@@ -19115,17 +18963,8 @@
                       </a:pPr>
                       <a:r>
                         <a:rPr lang="it-IT" sz="1600" dirty="0" smtClean="0"/>
-                        <a:t> &lt;</a:t>
+                        <a:t> &lt;10, 9.1, 8,…&gt;</a:t>
                       </a:r>
-                      <a:r>
-                        <a:rPr lang="it-IT" sz="1600" dirty="0" smtClean="0"/>
-                        <a:t>10, </a:t>
-                      </a:r>
-                      <a:r>
-                        <a:rPr lang="it-IT" sz="1600" dirty="0" smtClean="0"/>
-                        <a:t>9.1, 8,…&gt;</a:t>
-                      </a:r>
-                      <a:endParaRPr lang="it-IT" sz="1600" dirty="0" smtClean="0"/>
                     </a:p>
                     <a:p>
                       <a:endParaRPr lang="it-IT" sz="1600" dirty="0"/>
@@ -19296,11 +19135,7 @@
                       </a:pPr>
                       <a:r>
                         <a:rPr lang="it-IT" sz="1600" dirty="0" smtClean="0"/>
-                        <a:t> &lt;</a:t>
-                      </a:r>
-                      <a:r>
-                        <a:rPr lang="it-IT" sz="1600" dirty="0" smtClean="0"/>
-                        <a:t>1.2, 3, 2.6,…&gt;</a:t>
+                        <a:t> &lt;1.2, 3, 2.6,…&gt;</a:t>
                       </a:r>
                     </a:p>
                     <a:p>
@@ -19396,7 +19231,6 @@
                         <a:rPr lang="it-IT" sz="1600" dirty="0" smtClean="0"/>
                         <a:t> …</a:t>
                       </a:r>
-                      <a:endParaRPr lang="it-IT" sz="1600" dirty="0" smtClean="0"/>
                     </a:p>
                   </a:txBody>
                   <a:tcPr marL="0" marR="0" marT="0" marB="0">
@@ -19584,7 +19418,6 @@
                         <a:rPr lang="it-IT" sz="1600" dirty="0" smtClean="0"/>
                         <a:t> VATPIA</a:t>
                       </a:r>
-                      <a:endParaRPr lang="it-IT" sz="1600" dirty="0" smtClean="0"/>
                     </a:p>
                   </a:txBody>
                   <a:tcPr marL="0" marR="0" marT="0" marB="0">
@@ -19668,11 +19501,7 @@
                       </a:pPr>
                       <a:r>
                         <a:rPr lang="it-IT" sz="1600" dirty="0" smtClean="0"/>
-                        <a:t> &lt;</a:t>
-                      </a:r>
-                      <a:r>
-                        <a:rPr lang="it-IT" sz="1600" dirty="0" smtClean="0"/>
-                        <a:t>3.1, 3, 2.8,…&gt;</a:t>
+                        <a:t> &lt;3.1, 3, 2.8,…&gt;</a:t>
                       </a:r>
                     </a:p>
                     <a:p>
@@ -19795,7 +19624,6 @@
                         <a:rPr lang="it-IT" sz="1600" dirty="0" smtClean="0"/>
                         <a:t> VATAIA</a:t>
                       </a:r>
-                      <a:endParaRPr lang="it-IT" sz="1600" dirty="0" smtClean="0"/>
                     </a:p>
                   </a:txBody>
                   <a:tcPr marL="0" marR="0" marT="0" marB="0">
@@ -19957,7 +19785,6 @@
                         <a:rPr lang="it-IT" sz="1600" dirty="0" smtClean="0"/>
                         <a:t> …</a:t>
                       </a:r>
-                      <a:endParaRPr lang="it-IT" sz="1600" dirty="0" smtClean="0"/>
                     </a:p>
                   </a:txBody>
                   <a:tcPr marL="0" marR="0" marT="0" marB="0">
@@ -20145,7 +19972,6 @@
                         <a:rPr lang="it-IT" sz="1600" dirty="0" smtClean="0"/>
                         <a:t> …</a:t>
                       </a:r>
-                      <a:endParaRPr lang="it-IT" sz="1600" dirty="0" smtClean="0"/>
                     </a:p>
                   </a:txBody>
                   <a:tcPr marL="0" marR="0" marT="0" marB="0">
@@ -20469,15 +20295,7 @@
                   <a:schemeClr val="bg1"/>
                 </a:solidFill>
               </a:rPr>
-              <a:t> </a:t>
-            </a:r>
-            <a:r>
-              <a:rPr lang="it-IT" b="1" dirty="0" smtClean="0">
-                <a:solidFill>
-                  <a:schemeClr val="bg1"/>
-                </a:solidFill>
-              </a:rPr>
-              <a:t>Processing</a:t>
+              <a:t> Processing</a:t>
             </a:r>
           </a:p>
           <a:p>
@@ -21275,11 +21093,7 @@
             </a:r>
             <a:r>
               <a:rPr lang="it-IT" dirty="0" smtClean="0"/>
-              <a:t> </a:t>
-            </a:r>
-            <a:r>
-              <a:rPr lang="it-IT" dirty="0" smtClean="0"/>
-              <a:t>Download </a:t>
+              <a:t> Download </a:t>
             </a:r>
             <a:r>
               <a:rPr lang="it-IT" dirty="0" smtClean="0">
@@ -21508,15 +21322,7 @@
           <a:p>
             <a:r>
               <a:rPr lang="it-IT" dirty="0" smtClean="0"/>
-              <a:t>[ {…}, </a:t>
-            </a:r>
-            <a:r>
-              <a:rPr lang="it-IT" dirty="0" smtClean="0"/>
-              <a:t>{…}, {…}, </a:t>
-            </a:r>
-            <a:r>
-              <a:rPr lang="it-IT" dirty="0" smtClean="0"/>
-              <a:t>{…} ]</a:t>
+              <a:t>[ {…}, {…}, {…}, {…} ]</a:t>
             </a:r>
             <a:endParaRPr lang="it-IT" dirty="0"/>
           </a:p>
@@ -21631,7 +21437,38 @@
             </a:r>
             <a:r>
               <a:rPr lang="it-IT" dirty="0" smtClean="0"/>
-              <a:t>  </a:t>
+              <a:t>   </a:t>
+            </a:r>
+            <a:r>
+              <a:rPr lang="it-IT" dirty="0" err="1" smtClean="0"/>
+              <a:t>helped</a:t>
+            </a:r>
+            <a:r>
+              <a:rPr lang="it-IT" dirty="0" smtClean="0"/>
+              <a:t> by </a:t>
+            </a:r>
+            <a:r>
+              <a:rPr lang="it-IT" dirty="0" err="1" smtClean="0"/>
+              <a:t>RJDProcessor's</a:t>
+            </a:r>
+            <a:r>
+              <a:rPr lang="it-IT" dirty="0" smtClean="0"/>
+              <a:t> reports) </a:t>
+            </a:r>
+            <a:r>
+              <a:rPr lang="it-IT" dirty="0" err="1" smtClean="0"/>
+              <a:t>having</a:t>
+            </a:r>
+            <a:endParaRPr lang="it-IT" dirty="0" smtClean="0"/>
+          </a:p>
+          <a:p>
+            <a:r>
+              <a:rPr lang="it-IT" dirty="0" smtClean="0"/>
+              <a:t>    </a:t>
+            </a:r>
+            <a:r>
+              <a:rPr lang="it-IT" dirty="0" err="1" smtClean="0"/>
+              <a:t>ws_old</a:t>
             </a:r>
             <a:r>
               <a:rPr lang="it-IT" dirty="0" smtClean="0"/>
@@ -21639,58 +21476,11 @@
             </a:r>
             <a:r>
               <a:rPr lang="it-IT" dirty="0" err="1" smtClean="0"/>
-              <a:t>helped</a:t>
+              <a:t>as</a:t>
             </a:r>
             <a:r>
               <a:rPr lang="it-IT" dirty="0" smtClean="0"/>
-              <a:t> by </a:t>
-            </a:r>
-            <a:r>
-              <a:rPr lang="it-IT" dirty="0" err="1" smtClean="0"/>
-              <a:t>RJDProcessor's</a:t>
-            </a:r>
-            <a:r>
-              <a:rPr lang="it-IT" dirty="0" smtClean="0"/>
-              <a:t> reports) </a:t>
-            </a:r>
-            <a:r>
-              <a:rPr lang="it-IT" dirty="0" err="1" smtClean="0"/>
-              <a:t>having</a:t>
-            </a:r>
-            <a:endParaRPr lang="it-IT" dirty="0" smtClean="0"/>
-          </a:p>
-          <a:p>
-            <a:r>
-              <a:rPr lang="it-IT" dirty="0" smtClean="0"/>
-              <a:t>   </a:t>
-            </a:r>
-            <a:r>
-              <a:rPr lang="it-IT" dirty="0" smtClean="0"/>
-              <a:t> </a:t>
-            </a:r>
-            <a:r>
-              <a:rPr lang="it-IT" dirty="0" err="1" smtClean="0"/>
-              <a:t>ws</a:t>
-            </a:r>
-            <a:r>
-              <a:rPr lang="it-IT" dirty="0" err="1" smtClean="0"/>
-              <a:t>_old</a:t>
-            </a:r>
-            <a:r>
-              <a:rPr lang="it-IT" dirty="0" smtClean="0"/>
-              <a:t> </a:t>
-            </a:r>
-            <a:r>
-              <a:rPr lang="it-IT" dirty="0" err="1" smtClean="0"/>
-              <a:t>as</a:t>
-            </a:r>
-            <a:r>
-              <a:rPr lang="it-IT" dirty="0" smtClean="0"/>
-              <a:t> input</a:t>
-            </a:r>
-            <a:r>
-              <a:rPr lang="it-IT" dirty="0" smtClean="0"/>
-              <a:t>, </a:t>
+              <a:t> input, </a:t>
             </a:r>
             <a:r>
               <a:rPr lang="it-IT" dirty="0" err="1" smtClean="0"/>
@@ -21799,15 +21589,7 @@
                   <a:srgbClr val="A50021"/>
                 </a:solidFill>
               </a:rPr>
-              <a:t>   </a:t>
-            </a:r>
-            <a:r>
-              <a:rPr lang="it-IT" dirty="0" smtClean="0">
-                <a:solidFill>
-                  <a:srgbClr val="A50021"/>
-                </a:solidFill>
-              </a:rPr>
-              <a:t>(</a:t>
+              <a:t>   (</a:t>
             </a:r>
             <a:r>
               <a:rPr lang="it-IT" dirty="0" smtClean="0">
@@ -22203,15 +21985,7 @@
                   <a:srgbClr val="C00000"/>
                 </a:solidFill>
               </a:rPr>
-              <a:t> production: </a:t>
-            </a:r>
-            <a:r>
-              <a:rPr lang="it-IT" sz="3200" dirty="0" smtClean="0">
-                <a:solidFill>
-                  <a:srgbClr val="C00000"/>
-                </a:solidFill>
-              </a:rPr>
-              <a:t>(</a:t>
+              <a:t> production: (</a:t>
             </a:r>
             <a:r>
               <a:rPr lang="it-IT" sz="3200" dirty="0" err="1" smtClean="0">
@@ -23261,6 +23035,21 @@
 </file>
 
 <file path=customXml/item1.xml><?xml version="1.0" encoding="utf-8"?>
+<p:properties xmlns:p="http://schemas.microsoft.com/office/2006/metadata/properties" xmlns:xsi="http://www.w3.org/2001/XMLSchema-instance" xmlns:pc="http://schemas.microsoft.com/office/infopath/2007/PartnerControls">
+  <documentManagement>
+    <SottoCategoria xmlns="679261c3-551f-4e86-913f-177e0e529669">-</SottoCategoria>
+    <Categoria xmlns="c58f2efd-82a8-4ecf-b395-8c25e928921d">3- Standard presentazioni Power Point</Categoria>
+    <_dlc_DocId xmlns="459159c4-d20a-4ff3-9b11-fbd127bd52e5">INTRANET-14-174</_dlc_DocId>
+    <_dlc_DocIdUrl xmlns="459159c4-d20a-4ff3-9b11-fbd127bd52e5">
+      <Url>https://intranet.istat.it/Collaborativi/_layouts/15/DocIdRedir.aspx?ID=INTRANET-14-174</Url>
+      <Description>INTRANET-14-174</Description>
+    </_dlc_DocIdUrl>
+    <Ordine xmlns="679261c3-551f-4e86-913f-177e0e529669">1</Ordine>
+  </documentManagement>
+</p:properties>
+</file>
+
+<file path=customXml/item2.xml><?xml version="1.0" encoding="utf-8"?>
 <ct:contentTypeSchema xmlns:ct="http://schemas.microsoft.com/office/2006/metadata/contentType" xmlns:ma="http://schemas.microsoft.com/office/2006/metadata/properties/metaAttributes" ct:_="" ma:_="" ma:contentTypeName="Documento" ma:contentTypeID="0x010100661A2BE3120D674DA36C11D6006822D4" ma:contentTypeVersion="5" ma:contentTypeDescription="Creare un nuovo documento." ma:contentTypeScope="" ma:versionID="742e6049321d93803bb3bb587f561ffa">
   <xsd:schema xmlns:xsd="http://www.w3.org/2001/XMLSchema" xmlns:xs="http://www.w3.org/2001/XMLSchema" xmlns:p="http://schemas.microsoft.com/office/2006/metadata/properties" xmlns:ns2="c58f2efd-82a8-4ecf-b395-8c25e928921d" xmlns:ns3="459159c4-d20a-4ff3-9b11-fbd127bd52e5" xmlns:ns4="679261c3-551f-4e86-913f-177e0e529669" targetNamespace="http://schemas.microsoft.com/office/2006/metadata/properties" ma:root="true" ma:fieldsID="939ae4a7eaec2950db97a79ca38d2d4d" ns2:_="" ns3:_="" ns4:_="">
     <xsd:import namespace="c58f2efd-82a8-4ecf-b395-8c25e928921d"/>
@@ -23453,22 +23242,16 @@
 </ct:contentTypeSchema>
 </file>
 
-<file path=customXml/item2.xml><?xml version="1.0" encoding="utf-8"?>
-<p:properties xmlns:p="http://schemas.microsoft.com/office/2006/metadata/properties" xmlns:xsi="http://www.w3.org/2001/XMLSchema-instance" xmlns:pc="http://schemas.microsoft.com/office/infopath/2007/PartnerControls">
-  <documentManagement>
-    <SottoCategoria xmlns="679261c3-551f-4e86-913f-177e0e529669">-</SottoCategoria>
-    <Categoria xmlns="c58f2efd-82a8-4ecf-b395-8c25e928921d">3- Standard presentazioni Power Point</Categoria>
-    <_dlc_DocId xmlns="459159c4-d20a-4ff3-9b11-fbd127bd52e5">INTRANET-14-174</_dlc_DocId>
-    <_dlc_DocIdUrl xmlns="459159c4-d20a-4ff3-9b11-fbd127bd52e5">
-      <Url>https://intranet.istat.it/Collaborativi/_layouts/15/DocIdRedir.aspx?ID=INTRANET-14-174</Url>
-      <Description>INTRANET-14-174</Description>
-    </_dlc_DocIdUrl>
-    <Ordine xmlns="679261c3-551f-4e86-913f-177e0e529669">1</Ordine>
-  </documentManagement>
-</p:properties>
+<file path=customXml/item3.xml><?xml version="1.0" encoding="utf-8"?>
+<?mso-contentType ?>
+<FormTemplates xmlns="http://schemas.microsoft.com/sharepoint/v3/contenttype/forms">
+  <Display>DocumentLibraryForm</Display>
+  <Edit>DocumentLibraryForm</Edit>
+  <New>DocumentLibraryForm</New>
+</FormTemplates>
 </file>
 
-<file path=customXml/item3.xml><?xml version="1.0" encoding="utf-8"?>
+<file path=customXml/item4.xml><?xml version="1.0" encoding="utf-8"?>
 <?mso-contentType ?>
 <spe:Receivers xmlns:spe="http://schemas.microsoft.com/sharepoint/events">
   <Receiver>
@@ -23518,16 +23301,25 @@
 </spe:Receivers>
 </file>
 
-<file path=customXml/item4.xml><?xml version="1.0" encoding="utf-8"?>
-<?mso-contentType ?>
-<FormTemplates xmlns="http://schemas.microsoft.com/sharepoint/v3/contenttype/forms">
-  <Display>DocumentLibraryForm</Display>
-  <Edit>DocumentLibraryForm</Edit>
-  <New>DocumentLibraryForm</New>
-</FormTemplates>
+<file path=customXml/itemProps1.xml><?xml version="1.0" encoding="utf-8"?>
+<ds:datastoreItem xmlns:ds="http://schemas.openxmlformats.org/officeDocument/2006/customXml" ds:itemID="{3EF378BC-F4D0-4510-B4EC-07B6EFE18CF8}">
+  <ds:schemaRefs>
+    <ds:schemaRef ds:uri="http://purl.org/dc/dcmitype/"/>
+    <ds:schemaRef ds:uri="http://purl.org/dc/terms/"/>
+    <ds:schemaRef ds:uri="459159c4-d20a-4ff3-9b11-fbd127bd52e5"/>
+    <ds:schemaRef ds:uri="http://schemas.microsoft.com/office/2006/metadata/properties"/>
+    <ds:schemaRef ds:uri="http://www.w3.org/XML/1998/namespace"/>
+    <ds:schemaRef ds:uri="http://schemas.microsoft.com/office/2006/documentManagement/types"/>
+    <ds:schemaRef ds:uri="http://schemas.openxmlformats.org/package/2006/metadata/core-properties"/>
+    <ds:schemaRef ds:uri="http://schemas.microsoft.com/office/infopath/2007/PartnerControls"/>
+    <ds:schemaRef ds:uri="679261c3-551f-4e86-913f-177e0e529669"/>
+    <ds:schemaRef ds:uri="c58f2efd-82a8-4ecf-b395-8c25e928921d"/>
+    <ds:schemaRef ds:uri="http://purl.org/dc/elements/1.1/"/>
+  </ds:schemaRefs>
+</ds:datastoreItem>
 </file>
 
-<file path=customXml/itemProps1.xml><?xml version="1.0" encoding="utf-8"?>
+<file path=customXml/itemProps2.xml><?xml version="1.0" encoding="utf-8"?>
 <ds:datastoreItem xmlns:ds="http://schemas.openxmlformats.org/officeDocument/2006/customXml" ds:itemID="{AA760D03-2285-4F80-B9FC-1F4F97E97129}">
   <ds:schemaRefs>
     <ds:schemaRef ds:uri="http://schemas.microsoft.com/office/2006/metadata/contentType"/>
@@ -23547,36 +23339,18 @@
 </ds:datastoreItem>
 </file>
 
-<file path=customXml/itemProps2.xml><?xml version="1.0" encoding="utf-8"?>
-<ds:datastoreItem xmlns:ds="http://schemas.openxmlformats.org/officeDocument/2006/customXml" ds:itemID="{3EF378BC-F4D0-4510-B4EC-07B6EFE18CF8}">
+<file path=customXml/itemProps3.xml><?xml version="1.0" encoding="utf-8"?>
+<ds:datastoreItem xmlns:ds="http://schemas.openxmlformats.org/officeDocument/2006/customXml" ds:itemID="{BD9C238D-4D5C-4783-820B-4854DCE45D41}">
   <ds:schemaRefs>
-    <ds:schemaRef ds:uri="http://purl.org/dc/dcmitype/"/>
-    <ds:schemaRef ds:uri="http://purl.org/dc/terms/"/>
-    <ds:schemaRef ds:uri="459159c4-d20a-4ff3-9b11-fbd127bd52e5"/>
-    <ds:schemaRef ds:uri="http://schemas.microsoft.com/office/2006/metadata/properties"/>
-    <ds:schemaRef ds:uri="http://www.w3.org/XML/1998/namespace"/>
-    <ds:schemaRef ds:uri="http://schemas.microsoft.com/office/2006/documentManagement/types"/>
-    <ds:schemaRef ds:uri="http://schemas.openxmlformats.org/package/2006/metadata/core-properties"/>
-    <ds:schemaRef ds:uri="http://schemas.microsoft.com/office/infopath/2007/PartnerControls"/>
-    <ds:schemaRef ds:uri="679261c3-551f-4e86-913f-177e0e529669"/>
-    <ds:schemaRef ds:uri="c58f2efd-82a8-4ecf-b395-8c25e928921d"/>
-    <ds:schemaRef ds:uri="http://purl.org/dc/elements/1.1/"/>
+    <ds:schemaRef ds:uri="http://schemas.microsoft.com/sharepoint/v3/contenttype/forms"/>
   </ds:schemaRefs>
 </ds:datastoreItem>
 </file>
 
-<file path=customXml/itemProps3.xml><?xml version="1.0" encoding="utf-8"?>
+<file path=customXml/itemProps4.xml><?xml version="1.0" encoding="utf-8"?>
 <ds:datastoreItem xmlns:ds="http://schemas.openxmlformats.org/officeDocument/2006/customXml" ds:itemID="{D9296C4F-9DE9-4B43-AA80-1FC85656CFFA}">
   <ds:schemaRefs>
     <ds:schemaRef ds:uri="http://schemas.microsoft.com/sharepoint/events"/>
   </ds:schemaRefs>
 </ds:datastoreItem>
-</file>
-
-<file path=customXml/itemProps4.xml><?xml version="1.0" encoding="utf-8"?>
-<ds:datastoreItem xmlns:ds="http://schemas.openxmlformats.org/officeDocument/2006/customXml" ds:itemID="{BD9C238D-4D5C-4783-820B-4854DCE45D41}">
-  <ds:schemaRefs>
-    <ds:schemaRef ds:uri="http://schemas.microsoft.com/sharepoint/v3/contenttype/forms"/>
-  </ds:schemaRefs>
-</ds:datastoreItem>
 </file>